--- a/Analysis/Behavioural_analyses_R/Figure 4.pptx
+++ b/Analysis/Behavioural_analyses_R/Figure 4.pptx
@@ -5,7 +5,7 @@
     <p:sldMasterId id="2147483648" r:id="rId1"/>
   </p:sldMasterIdLst>
   <p:notesMasterIdLst>
-    <p:notesMasterId r:id="rId27"/>
+    <p:notesMasterId r:id="rId28"/>
   </p:notesMasterIdLst>
   <p:sldIdLst>
     <p:sldId id="256" r:id="rId2"/>
@@ -32,7 +32,8 @@
     <p:sldId id="311" r:id="rId23"/>
     <p:sldId id="312" r:id="rId24"/>
     <p:sldId id="316" r:id="rId25"/>
-    <p:sldId id="317" r:id="rId26"/>
+    <p:sldId id="318" r:id="rId26"/>
+    <p:sldId id="317" r:id="rId27"/>
   </p:sldIdLst>
   <p:sldSz cx="12192000" cy="6858000"/>
   <p:notesSz cx="6858000" cy="9144000"/>
@@ -221,7 +222,7 @@
           <a:p>
             <a:fld id="{0E294810-EDBF-48E7-9D3D-BC68DE7DD530}" type="datetimeFigureOut">
               <a:rPr lang="en-GB" smtClean="0"/>
-              <a:t>13/02/2023</a:t>
+              <a:t>29/04/2023</a:t>
             </a:fld>
             <a:endParaRPr lang="en-GB"/>
           </a:p>
@@ -1122,7 +1123,7 @@
           <a:p>
             <a:fld id="{95947605-DE67-4DDD-B35C-317DBEC0FF55}" type="datetimeFigureOut">
               <a:rPr lang="en-GB" smtClean="0"/>
-              <a:t>13/02/2023</a:t>
+              <a:t>29/04/2023</a:t>
             </a:fld>
             <a:endParaRPr lang="en-GB"/>
           </a:p>
@@ -1322,7 +1323,7 @@
           <a:p>
             <a:fld id="{95947605-DE67-4DDD-B35C-317DBEC0FF55}" type="datetimeFigureOut">
               <a:rPr lang="en-GB" smtClean="0"/>
-              <a:t>13/02/2023</a:t>
+              <a:t>29/04/2023</a:t>
             </a:fld>
             <a:endParaRPr lang="en-GB"/>
           </a:p>
@@ -1532,7 +1533,7 @@
           <a:p>
             <a:fld id="{95947605-DE67-4DDD-B35C-317DBEC0FF55}" type="datetimeFigureOut">
               <a:rPr lang="en-GB" smtClean="0"/>
-              <a:t>13/02/2023</a:t>
+              <a:t>29/04/2023</a:t>
             </a:fld>
             <a:endParaRPr lang="en-GB"/>
           </a:p>
@@ -1732,7 +1733,7 @@
           <a:p>
             <a:fld id="{95947605-DE67-4DDD-B35C-317DBEC0FF55}" type="datetimeFigureOut">
               <a:rPr lang="en-GB" smtClean="0"/>
-              <a:t>13/02/2023</a:t>
+              <a:t>29/04/2023</a:t>
             </a:fld>
             <a:endParaRPr lang="en-GB"/>
           </a:p>
@@ -2008,7 +2009,7 @@
           <a:p>
             <a:fld id="{95947605-DE67-4DDD-B35C-317DBEC0FF55}" type="datetimeFigureOut">
               <a:rPr lang="en-GB" smtClean="0"/>
-              <a:t>13/02/2023</a:t>
+              <a:t>29/04/2023</a:t>
             </a:fld>
             <a:endParaRPr lang="en-GB"/>
           </a:p>
@@ -2276,7 +2277,7 @@
           <a:p>
             <a:fld id="{95947605-DE67-4DDD-B35C-317DBEC0FF55}" type="datetimeFigureOut">
               <a:rPr lang="en-GB" smtClean="0"/>
-              <a:t>13/02/2023</a:t>
+              <a:t>29/04/2023</a:t>
             </a:fld>
             <a:endParaRPr lang="en-GB"/>
           </a:p>
@@ -2691,7 +2692,7 @@
           <a:p>
             <a:fld id="{95947605-DE67-4DDD-B35C-317DBEC0FF55}" type="datetimeFigureOut">
               <a:rPr lang="en-GB" smtClean="0"/>
-              <a:t>13/02/2023</a:t>
+              <a:t>29/04/2023</a:t>
             </a:fld>
             <a:endParaRPr lang="en-GB"/>
           </a:p>
@@ -2833,7 +2834,7 @@
           <a:p>
             <a:fld id="{95947605-DE67-4DDD-B35C-317DBEC0FF55}" type="datetimeFigureOut">
               <a:rPr lang="en-GB" smtClean="0"/>
-              <a:t>13/02/2023</a:t>
+              <a:t>29/04/2023</a:t>
             </a:fld>
             <a:endParaRPr lang="en-GB"/>
           </a:p>
@@ -2946,7 +2947,7 @@
           <a:p>
             <a:fld id="{95947605-DE67-4DDD-B35C-317DBEC0FF55}" type="datetimeFigureOut">
               <a:rPr lang="en-GB" smtClean="0"/>
-              <a:t>13/02/2023</a:t>
+              <a:t>29/04/2023</a:t>
             </a:fld>
             <a:endParaRPr lang="en-GB"/>
           </a:p>
@@ -3259,7 +3260,7 @@
           <a:p>
             <a:fld id="{95947605-DE67-4DDD-B35C-317DBEC0FF55}" type="datetimeFigureOut">
               <a:rPr lang="en-GB" smtClean="0"/>
-              <a:t>13/02/2023</a:t>
+              <a:t>29/04/2023</a:t>
             </a:fld>
             <a:endParaRPr lang="en-GB"/>
           </a:p>
@@ -3548,7 +3549,7 @@
           <a:p>
             <a:fld id="{95947605-DE67-4DDD-B35C-317DBEC0FF55}" type="datetimeFigureOut">
               <a:rPr lang="en-GB" smtClean="0"/>
-              <a:t>13/02/2023</a:t>
+              <a:t>29/04/2023</a:t>
             </a:fld>
             <a:endParaRPr lang="en-GB"/>
           </a:p>
@@ -3791,7 +3792,7 @@
           <a:p>
             <a:fld id="{95947605-DE67-4DDD-B35C-317DBEC0FF55}" type="datetimeFigureOut">
               <a:rPr lang="en-GB" smtClean="0"/>
-              <a:t>13/02/2023</a:t>
+              <a:t>29/04/2023</a:t>
             </a:fld>
             <a:endParaRPr lang="en-GB"/>
           </a:p>
@@ -9313,6 +9314,583 @@
           <a:chExt cx="0" cy="0"/>
         </a:xfrm>
       </p:grpSpPr>
+      <p:sp>
+        <p:nvSpPr>
+          <p:cNvPr id="2" name="Title 1">
+            <a:extLst>
+              <a:ext uri="{FF2B5EF4-FFF2-40B4-BE49-F238E27FC236}">
+                <a16:creationId xmlns:a16="http://schemas.microsoft.com/office/drawing/2014/main" id="{C7953850-45A9-FBB3-66C3-86F4484EE267}"/>
+              </a:ext>
+            </a:extLst>
+          </p:cNvPr>
+          <p:cNvSpPr>
+            <a:spLocks noGrp="1"/>
+          </p:cNvSpPr>
+          <p:nvPr>
+            <p:ph type="title"/>
+          </p:nvPr>
+        </p:nvSpPr>
+        <p:spPr/>
+        <p:txBody>
+          <a:bodyPr/>
+          <a:lstStyle/>
+          <a:p>
+            <a:endParaRPr lang="en-GB"/>
+          </a:p>
+        </p:txBody>
+      </p:sp>
+      <p:grpSp>
+        <p:nvGrpSpPr>
+          <p:cNvPr id="44" name="Group 43">
+            <a:extLst>
+              <a:ext uri="{FF2B5EF4-FFF2-40B4-BE49-F238E27FC236}">
+                <a16:creationId xmlns:a16="http://schemas.microsoft.com/office/drawing/2014/main" id="{DDE5BDB0-59E7-9EC4-46A4-650243FBD0C5}"/>
+              </a:ext>
+            </a:extLst>
+          </p:cNvPr>
+          <p:cNvGrpSpPr/>
+          <p:nvPr/>
+        </p:nvGrpSpPr>
+        <p:grpSpPr>
+          <a:xfrm>
+            <a:off x="-486397" y="0"/>
+            <a:ext cx="13372515" cy="7423445"/>
+            <a:chOff x="-486397" y="0"/>
+            <a:chExt cx="13372515" cy="7423445"/>
+          </a:xfrm>
+        </p:grpSpPr>
+        <p:grpSp>
+          <p:nvGrpSpPr>
+            <p:cNvPr id="4" name="Group 3">
+              <a:extLst>
+                <a:ext uri="{FF2B5EF4-FFF2-40B4-BE49-F238E27FC236}">
+                  <a16:creationId xmlns:a16="http://schemas.microsoft.com/office/drawing/2014/main" id="{3901C7B7-BE21-712A-9242-478B8647376A}"/>
+                </a:ext>
+              </a:extLst>
+            </p:cNvPr>
+            <p:cNvGrpSpPr/>
+            <p:nvPr/>
+          </p:nvGrpSpPr>
+          <p:grpSpPr>
+            <a:xfrm>
+              <a:off x="-486397" y="0"/>
+              <a:ext cx="13372515" cy="3798332"/>
+              <a:chOff x="-486397" y="0"/>
+              <a:chExt cx="13372515" cy="3798332"/>
+            </a:xfrm>
+          </p:grpSpPr>
+          <p:grpSp>
+            <p:nvGrpSpPr>
+              <p:cNvPr id="15" name="Group 14">
+                <a:extLst>
+                  <a:ext uri="{FF2B5EF4-FFF2-40B4-BE49-F238E27FC236}">
+                    <a16:creationId xmlns:a16="http://schemas.microsoft.com/office/drawing/2014/main" id="{4CA1E529-CFF3-4A23-BAC3-F8FE58F29CDC}"/>
+                  </a:ext>
+                </a:extLst>
+              </p:cNvPr>
+              <p:cNvGrpSpPr/>
+              <p:nvPr/>
+            </p:nvGrpSpPr>
+            <p:grpSpPr>
+              <a:xfrm>
+                <a:off x="-486397" y="0"/>
+                <a:ext cx="13372515" cy="3529160"/>
+                <a:chOff x="-1403970" y="-93169"/>
+                <a:chExt cx="13372515" cy="3529160"/>
+              </a:xfrm>
+            </p:grpSpPr>
+            <p:grpSp>
+              <p:nvGrpSpPr>
+                <p:cNvPr id="16" name="Group 15">
+                  <a:extLst>
+                    <a:ext uri="{FF2B5EF4-FFF2-40B4-BE49-F238E27FC236}">
+                      <a16:creationId xmlns:a16="http://schemas.microsoft.com/office/drawing/2014/main" id="{2E7CA067-D049-F65E-1A40-9ED9177BD2F0}"/>
+                    </a:ext>
+                  </a:extLst>
+                </p:cNvPr>
+                <p:cNvGrpSpPr/>
+                <p:nvPr/>
+              </p:nvGrpSpPr>
+              <p:grpSpPr>
+                <a:xfrm>
+                  <a:off x="-1403970" y="-93169"/>
+                  <a:ext cx="8665189" cy="3529160"/>
+                  <a:chOff x="1828627" y="-350747"/>
+                  <a:chExt cx="8665189" cy="3529160"/>
+                </a:xfrm>
+              </p:grpSpPr>
+              <p:pic>
+                <p:nvPicPr>
+                  <p:cNvPr id="18" name="Picture 8">
+                    <a:extLst>
+                      <a:ext uri="{FF2B5EF4-FFF2-40B4-BE49-F238E27FC236}">
+                        <a16:creationId xmlns:a16="http://schemas.microsoft.com/office/drawing/2014/main" id="{2A79B4D6-7917-4F89-E1E4-46E487F3ACA4}"/>
+                      </a:ext>
+                    </a:extLst>
+                  </p:cNvPr>
+                  <p:cNvPicPr>
+                    <a:picLocks noChangeAspect="1" noChangeArrowheads="1"/>
+                  </p:cNvPicPr>
+                  <p:nvPr/>
+                </p:nvPicPr>
+                <p:blipFill>
+                  <a:blip r:embed="rId2">
+                    <a:extLst>
+                      <a:ext uri="{28A0092B-C50C-407E-A947-70E740481C1C}">
+                        <a14:useLocalDpi xmlns:a14="http://schemas.microsoft.com/office/drawing/2010/main" val="0"/>
+                      </a:ext>
+                    </a:extLst>
+                  </a:blip>
+                  <a:srcRect/>
+                  <a:stretch>
+                    <a:fillRect/>
+                  </a:stretch>
+                </p:blipFill>
+                <p:spPr bwMode="auto">
+                  <a:xfrm>
+                    <a:off x="1828627" y="-350747"/>
+                    <a:ext cx="4694371" cy="3529160"/>
+                  </a:xfrm>
+                  <a:prstGeom prst="rect">
+                    <a:avLst/>
+                  </a:prstGeom>
+                  <a:noFill/>
+                  <a:ln>
+                    <a:noFill/>
+                  </a:ln>
+                  <a:extLst>
+                    <a:ext uri="{909E8E84-426E-40DD-AFC4-6F175D3DCCD1}">
+                      <a14:hiddenFill xmlns:a14="http://schemas.microsoft.com/office/drawing/2010/main">
+                        <a:solidFill>
+                          <a:schemeClr val="accent1"/>
+                        </a:solidFill>
+                      </a14:hiddenFill>
+                    </a:ext>
+                    <a:ext uri="{91240B29-F687-4F45-9708-019B960494DF}">
+                      <a14:hiddenLine xmlns:a14="http://schemas.microsoft.com/office/drawing/2010/main" w="9525">
+                        <a:solidFill>
+                          <a:schemeClr val="tx1"/>
+                        </a:solidFill>
+                        <a:miter lim="800000"/>
+                        <a:headEnd/>
+                        <a:tailEnd/>
+                      </a14:hiddenLine>
+                    </a:ext>
+                  </a:extLst>
+                </p:spPr>
+              </p:pic>
+              <p:pic>
+                <p:nvPicPr>
+                  <p:cNvPr id="19" name="Picture 9">
+                    <a:extLst>
+                      <a:ext uri="{FF2B5EF4-FFF2-40B4-BE49-F238E27FC236}">
+                        <a16:creationId xmlns:a16="http://schemas.microsoft.com/office/drawing/2014/main" id="{74CB7AE0-6CA3-60BF-5737-BA41480EFB27}"/>
+                      </a:ext>
+                    </a:extLst>
+                  </p:cNvPr>
+                  <p:cNvPicPr>
+                    <a:picLocks noChangeAspect="1" noChangeArrowheads="1"/>
+                  </p:cNvPicPr>
+                  <p:nvPr/>
+                </p:nvPicPr>
+                <p:blipFill>
+                  <a:blip r:embed="rId3">
+                    <a:extLst>
+                      <a:ext uri="{28A0092B-C50C-407E-A947-70E740481C1C}">
+                        <a14:useLocalDpi xmlns:a14="http://schemas.microsoft.com/office/drawing/2010/main" val="0"/>
+                      </a:ext>
+                    </a:extLst>
+                  </a:blip>
+                  <a:srcRect/>
+                  <a:stretch>
+                    <a:fillRect/>
+                  </a:stretch>
+                </p:blipFill>
+                <p:spPr bwMode="auto">
+                  <a:xfrm>
+                    <a:off x="5788266" y="-350747"/>
+                    <a:ext cx="4705550" cy="3529160"/>
+                  </a:xfrm>
+                  <a:prstGeom prst="rect">
+                    <a:avLst/>
+                  </a:prstGeom>
+                  <a:noFill/>
+                  <a:ln>
+                    <a:noFill/>
+                  </a:ln>
+                  <a:extLst>
+                    <a:ext uri="{909E8E84-426E-40DD-AFC4-6F175D3DCCD1}">
+                      <a14:hiddenFill xmlns:a14="http://schemas.microsoft.com/office/drawing/2010/main">
+                        <a:solidFill>
+                          <a:schemeClr val="accent1"/>
+                        </a:solidFill>
+                      </a14:hiddenFill>
+                    </a:ext>
+                    <a:ext uri="{91240B29-F687-4F45-9708-019B960494DF}">
+                      <a14:hiddenLine xmlns:a14="http://schemas.microsoft.com/office/drawing/2010/main" w="9525">
+                        <a:solidFill>
+                          <a:schemeClr val="tx1"/>
+                        </a:solidFill>
+                        <a:miter lim="800000"/>
+                        <a:headEnd/>
+                        <a:tailEnd/>
+                      </a14:hiddenLine>
+                    </a:ext>
+                  </a:extLst>
+                </p:spPr>
+              </p:pic>
+            </p:grpSp>
+            <p:pic>
+              <p:nvPicPr>
+                <p:cNvPr id="17" name="Content Placeholder 3">
+                  <a:extLst>
+                    <a:ext uri="{FF2B5EF4-FFF2-40B4-BE49-F238E27FC236}">
+                      <a16:creationId xmlns:a16="http://schemas.microsoft.com/office/drawing/2014/main" id="{2B1A6B3E-49DA-179F-07B8-EBC5E62F1CAA}"/>
+                    </a:ext>
+                  </a:extLst>
+                </p:cNvPr>
+                <p:cNvPicPr>
+                  <a:picLocks noChangeAspect="1"/>
+                </p:cNvPicPr>
+                <p:nvPr/>
+              </p:nvPicPr>
+              <p:blipFill>
+                <a:blip r:embed="rId4" cstate="print">
+                  <a:extLst>
+                    <a:ext uri="{28A0092B-C50C-407E-A947-70E740481C1C}">
+                      <a14:useLocalDpi xmlns:a14="http://schemas.microsoft.com/office/drawing/2010/main" val="0"/>
+                    </a:ext>
+                  </a:extLst>
+                </a:blip>
+                <a:stretch>
+                  <a:fillRect/>
+                </a:stretch>
+              </p:blipFill>
+              <p:spPr>
+                <a:xfrm>
+                  <a:off x="7392735" y="-93169"/>
+                  <a:ext cx="4575810" cy="3432810"/>
+                </a:xfrm>
+                <a:prstGeom prst="rect">
+                  <a:avLst/>
+                </a:prstGeom>
+              </p:spPr>
+            </p:pic>
+          </p:grpSp>
+          <p:sp>
+            <p:nvSpPr>
+              <p:cNvPr id="6" name="TextBox 5">
+                <a:extLst>
+                  <a:ext uri="{FF2B5EF4-FFF2-40B4-BE49-F238E27FC236}">
+                    <a16:creationId xmlns:a16="http://schemas.microsoft.com/office/drawing/2014/main" id="{4670EA22-F3CE-7F0B-C95D-2D8C3B6D80B1}"/>
+                  </a:ext>
+                </a:extLst>
+              </p:cNvPr>
+              <p:cNvSpPr txBox="1"/>
+              <p:nvPr/>
+            </p:nvSpPr>
+            <p:spPr>
+              <a:xfrm>
+                <a:off x="145178" y="143478"/>
+                <a:ext cx="606906" cy="461665"/>
+              </a:xfrm>
+              <a:prstGeom prst="rect">
+                <a:avLst/>
+              </a:prstGeom>
+              <a:noFill/>
+            </p:spPr>
+            <p:txBody>
+              <a:bodyPr wrap="square" rtlCol="0">
+                <a:spAutoFit/>
+              </a:bodyPr>
+              <a:lstStyle/>
+              <a:p>
+                <a:r>
+                  <a:rPr lang="en-US" sz="2400" b="1" dirty="0"/>
+                  <a:t>A</a:t>
+                </a:r>
+                <a:endParaRPr lang="en-GB" sz="2400" b="1" dirty="0"/>
+              </a:p>
+            </p:txBody>
+          </p:sp>
+          <p:sp>
+            <p:nvSpPr>
+              <p:cNvPr id="7" name="TextBox 6">
+                <a:extLst>
+                  <a:ext uri="{FF2B5EF4-FFF2-40B4-BE49-F238E27FC236}">
+                    <a16:creationId xmlns:a16="http://schemas.microsoft.com/office/drawing/2014/main" id="{C6D75CD0-2201-0FCD-0C95-B3D8A0B59E5F}"/>
+                  </a:ext>
+                </a:extLst>
+              </p:cNvPr>
+              <p:cNvSpPr txBox="1"/>
+              <p:nvPr/>
+            </p:nvSpPr>
+            <p:spPr>
+              <a:xfrm>
+                <a:off x="4161985" y="143477"/>
+                <a:ext cx="606906" cy="461665"/>
+              </a:xfrm>
+              <a:prstGeom prst="rect">
+                <a:avLst/>
+              </a:prstGeom>
+              <a:noFill/>
+            </p:spPr>
+            <p:txBody>
+              <a:bodyPr wrap="square" rtlCol="0">
+                <a:spAutoFit/>
+              </a:bodyPr>
+              <a:lstStyle/>
+              <a:p>
+                <a:r>
+                  <a:rPr lang="en-US" sz="2400" b="1" dirty="0"/>
+                  <a:t>B</a:t>
+                </a:r>
+                <a:endParaRPr lang="en-GB" sz="2400" b="1" dirty="0"/>
+              </a:p>
+            </p:txBody>
+          </p:sp>
+          <p:sp>
+            <p:nvSpPr>
+              <p:cNvPr id="8" name="TextBox 7">
+                <a:extLst>
+                  <a:ext uri="{FF2B5EF4-FFF2-40B4-BE49-F238E27FC236}">
+                    <a16:creationId xmlns:a16="http://schemas.microsoft.com/office/drawing/2014/main" id="{3CEFEED4-1D72-DD9E-63F8-35F7FBAF900B}"/>
+                  </a:ext>
+                </a:extLst>
+              </p:cNvPr>
+              <p:cNvSpPr txBox="1"/>
+              <p:nvPr/>
+            </p:nvSpPr>
+            <p:spPr>
+              <a:xfrm>
+                <a:off x="8360548" y="143477"/>
+                <a:ext cx="606906" cy="461665"/>
+              </a:xfrm>
+              <a:prstGeom prst="rect">
+                <a:avLst/>
+              </a:prstGeom>
+              <a:noFill/>
+            </p:spPr>
+            <p:txBody>
+              <a:bodyPr wrap="square" rtlCol="0">
+                <a:spAutoFit/>
+              </a:bodyPr>
+              <a:lstStyle/>
+              <a:p>
+                <a:r>
+                  <a:rPr lang="en-US" sz="2400" b="1" dirty="0"/>
+                  <a:t>C</a:t>
+                </a:r>
+                <a:endParaRPr lang="en-GB" sz="2400" b="1" dirty="0"/>
+              </a:p>
+            </p:txBody>
+          </p:sp>
+          <p:sp>
+            <p:nvSpPr>
+              <p:cNvPr id="11" name="TextBox 10">
+                <a:extLst>
+                  <a:ext uri="{FF2B5EF4-FFF2-40B4-BE49-F238E27FC236}">
+                    <a16:creationId xmlns:a16="http://schemas.microsoft.com/office/drawing/2014/main" id="{6E402159-5386-ABC8-491D-B87C9CF58608}"/>
+                  </a:ext>
+                </a:extLst>
+              </p:cNvPr>
+              <p:cNvSpPr txBox="1"/>
+              <p:nvPr/>
+            </p:nvSpPr>
+            <p:spPr>
+              <a:xfrm>
+                <a:off x="1268139" y="3429000"/>
+                <a:ext cx="1416441" cy="369332"/>
+              </a:xfrm>
+              <a:prstGeom prst="rect">
+                <a:avLst/>
+              </a:prstGeom>
+              <a:noFill/>
+            </p:spPr>
+            <p:txBody>
+              <a:bodyPr wrap="square" rtlCol="0">
+                <a:spAutoFit/>
+              </a:bodyPr>
+              <a:lstStyle/>
+              <a:p>
+                <a:r>
+                  <a:rPr lang="en-US" dirty="0"/>
+                  <a:t>Flow state</a:t>
+                </a:r>
+                <a:endParaRPr lang="en-GB" dirty="0"/>
+              </a:p>
+            </p:txBody>
+          </p:sp>
+          <p:sp>
+            <p:nvSpPr>
+              <p:cNvPr id="12" name="TextBox 11">
+                <a:extLst>
+                  <a:ext uri="{FF2B5EF4-FFF2-40B4-BE49-F238E27FC236}">
+                    <a16:creationId xmlns:a16="http://schemas.microsoft.com/office/drawing/2014/main" id="{7A047F4E-1500-F00D-8330-C0244B0941B7}"/>
+                  </a:ext>
+                </a:extLst>
+              </p:cNvPr>
+              <p:cNvSpPr txBox="1"/>
+              <p:nvPr/>
+            </p:nvSpPr>
+            <p:spPr>
+              <a:xfrm>
+                <a:off x="5140321" y="3429000"/>
+                <a:ext cx="1605234" cy="369332"/>
+              </a:xfrm>
+              <a:prstGeom prst="rect">
+                <a:avLst/>
+              </a:prstGeom>
+              <a:noFill/>
+            </p:spPr>
+            <p:txBody>
+              <a:bodyPr wrap="square" rtlCol="0">
+                <a:spAutoFit/>
+              </a:bodyPr>
+              <a:lstStyle/>
+              <a:p>
+                <a:r>
+                  <a:rPr lang="en-US" dirty="0"/>
+                  <a:t>Non-flow state</a:t>
+                </a:r>
+                <a:endParaRPr lang="en-GB" dirty="0"/>
+              </a:p>
+            </p:txBody>
+          </p:sp>
+        </p:grpSp>
+        <p:pic>
+          <p:nvPicPr>
+            <p:cNvPr id="41" name="Picture 40">
+              <a:extLst>
+                <a:ext uri="{FF2B5EF4-FFF2-40B4-BE49-F238E27FC236}">
+                  <a16:creationId xmlns:a16="http://schemas.microsoft.com/office/drawing/2014/main" id="{8444AFF6-BEDB-2DE2-9F55-AA67E891FFF5}"/>
+                </a:ext>
+              </a:extLst>
+            </p:cNvPr>
+            <p:cNvPicPr>
+              <a:picLocks noChangeAspect="1"/>
+            </p:cNvPicPr>
+            <p:nvPr/>
+          </p:nvPicPr>
+          <p:blipFill>
+            <a:blip r:embed="rId5"/>
+            <a:stretch>
+              <a:fillRect/>
+            </a:stretch>
+          </p:blipFill>
+          <p:spPr>
+            <a:xfrm>
+              <a:off x="2560317" y="3894285"/>
+              <a:ext cx="7071366" cy="3529160"/>
+            </a:xfrm>
+            <a:prstGeom prst="rect">
+              <a:avLst/>
+            </a:prstGeom>
+          </p:spPr>
+        </p:pic>
+        <p:sp>
+          <p:nvSpPr>
+            <p:cNvPr id="42" name="TextBox 41">
+              <a:extLst>
+                <a:ext uri="{FF2B5EF4-FFF2-40B4-BE49-F238E27FC236}">
+                  <a16:creationId xmlns:a16="http://schemas.microsoft.com/office/drawing/2014/main" id="{F694234F-4564-B762-88A6-0155686F95B1}"/>
+                </a:ext>
+              </a:extLst>
+            </p:cNvPr>
+            <p:cNvSpPr txBox="1"/>
+            <p:nvPr/>
+          </p:nvSpPr>
+          <p:spPr>
+            <a:xfrm>
+              <a:off x="2168552" y="3800841"/>
+              <a:ext cx="606906" cy="461665"/>
+            </a:xfrm>
+            <a:prstGeom prst="rect">
+              <a:avLst/>
+            </a:prstGeom>
+            <a:noFill/>
+          </p:spPr>
+          <p:txBody>
+            <a:bodyPr wrap="square" rtlCol="0">
+              <a:spAutoFit/>
+            </a:bodyPr>
+            <a:lstStyle/>
+            <a:p>
+              <a:r>
+                <a:rPr lang="en-US" sz="2400" b="1" dirty="0"/>
+                <a:t>D</a:t>
+              </a:r>
+              <a:endParaRPr lang="en-GB" sz="2400" b="1" dirty="0"/>
+            </a:p>
+          </p:txBody>
+        </p:sp>
+        <p:sp>
+          <p:nvSpPr>
+            <p:cNvPr id="43" name="TextBox 42">
+              <a:extLst>
+                <a:ext uri="{FF2B5EF4-FFF2-40B4-BE49-F238E27FC236}">
+                  <a16:creationId xmlns:a16="http://schemas.microsoft.com/office/drawing/2014/main" id="{40DAF1AC-B8FD-BFA4-0F42-9B8210A6E5D3}"/>
+                </a:ext>
+              </a:extLst>
+            </p:cNvPr>
+            <p:cNvSpPr txBox="1"/>
+            <p:nvPr/>
+          </p:nvSpPr>
+          <p:spPr>
+            <a:xfrm>
+              <a:off x="5792547" y="3800840"/>
+              <a:ext cx="606906" cy="461665"/>
+            </a:xfrm>
+            <a:prstGeom prst="rect">
+              <a:avLst/>
+            </a:prstGeom>
+            <a:noFill/>
+          </p:spPr>
+          <p:txBody>
+            <a:bodyPr wrap="square" rtlCol="0">
+              <a:spAutoFit/>
+            </a:bodyPr>
+            <a:lstStyle/>
+            <a:p>
+              <a:r>
+                <a:rPr lang="en-US" sz="2400" b="1" dirty="0"/>
+                <a:t>E</a:t>
+              </a:r>
+              <a:endParaRPr lang="en-GB" sz="2400" b="1" dirty="0"/>
+            </a:p>
+          </p:txBody>
+        </p:sp>
+      </p:grpSp>
+    </p:spTree>
+    <p:extLst>
+      <p:ext uri="{BB962C8B-B14F-4D97-AF65-F5344CB8AC3E}">
+        <p14:creationId xmlns:p14="http://schemas.microsoft.com/office/powerpoint/2010/main" val="1688487269"/>
+      </p:ext>
+    </p:extLst>
+  </p:cSld>
+  <p:clrMapOvr>
+    <a:masterClrMapping/>
+  </p:clrMapOvr>
+</p:sld>
+</file>
+
+<file path=ppt/slides/slide26.xml><?xml version="1.0" encoding="utf-8"?>
+<p:sld xmlns:a="http://schemas.openxmlformats.org/drawingml/2006/main" xmlns:r="http://schemas.openxmlformats.org/officeDocument/2006/relationships" xmlns:p="http://schemas.openxmlformats.org/presentationml/2006/main">
+  <p:cSld>
+    <p:spTree>
+      <p:nvGrpSpPr>
+        <p:cNvPr id="1" name=""/>
+        <p:cNvGrpSpPr/>
+        <p:nvPr/>
+      </p:nvGrpSpPr>
+      <p:grpSpPr>
+        <a:xfrm>
+          <a:off x="0" y="0"/>
+          <a:ext cx="0" cy="0"/>
+          <a:chOff x="0" y="0"/>
+          <a:chExt cx="0" cy="0"/>
+        </a:xfrm>
+      </p:grpSpPr>
       <p:pic>
         <p:nvPicPr>
           <p:cNvPr id="5" name="Picture 4">
